--- a/output/09_2d_fit_nonoscillator/summary.pptx
+++ b/output/09_2d_fit_nonoscillator/summary.pptx
@@ -109,6 +109,11 @@
       </a:defRPr>
     </a:lvl9pPr>
   </p:defaultTextStyle>
+  <p:extLst>
+    <p:ext uri="{EFAFB233-063F-42B5-8137-9DF3F51BA10A}">
+      <p15:sldGuideLst xmlns:p15="http://schemas.microsoft.com/office/powerpoint/2012/main"/>
+    </p:ext>
+  </p:extLst>
 </p:presentation>
 </file>
 
@@ -4240,8 +4245,8 @@
           </a:fontRef>
         </p:style>
       </p:cxnSp>
-      <mc:AlternateContent xmlns:mc="http://schemas.openxmlformats.org/markup-compatibility/2006">
-        <mc:Choice xmlns:a14="http://schemas.microsoft.com/office/drawing/2010/main" Requires="a14">
+      <mc:AlternateContent xmlns:mc="http://schemas.openxmlformats.org/markup-compatibility/2006" xmlns:a14="http://schemas.microsoft.com/office/drawing/2010/main">
+        <mc:Choice Requires="a14">
           <p:sp>
             <p:nvSpPr>
               <p:cNvPr id="14" name="Textfeld 13">
@@ -4346,6 +4351,7 @@
                 </a:endParaRPr>
               </a:p>
               <a:p>
+                <a:pPr/>
                 <a14:m>
                   <m:oMathPara xmlns:m="http://schemas.openxmlformats.org/officeDocument/2006/math">
                     <m:oMathParaPr>
@@ -4633,7 +4639,7 @@
             </p:txBody>
           </p:sp>
         </mc:Choice>
-        <mc:Fallback>
+        <mc:Fallback xmlns="">
           <p:sp>
             <p:nvSpPr>
               <p:cNvPr id="14" name="Textfeld 13">
@@ -5028,8 +5034,8 @@
           <a:chExt cx="0" cy="0"/>
         </a:xfrm>
       </p:grpSpPr>
-      <mc:AlternateContent xmlns:mc="http://schemas.openxmlformats.org/markup-compatibility/2006">
-        <mc:Choice xmlns:a14="http://schemas.microsoft.com/office/drawing/2010/main" Requires="a14">
+      <mc:AlternateContent xmlns:mc="http://schemas.openxmlformats.org/markup-compatibility/2006" xmlns:a14="http://schemas.microsoft.com/office/drawing/2010/main">
+        <mc:Choice Requires="a14">
           <p:sp>
             <p:nvSpPr>
               <p:cNvPr id="5" name="Textfeld 4">
@@ -5134,6 +5140,7 @@
                 </a:endParaRPr>
               </a:p>
               <a:p>
+                <a:pPr/>
                 <a14:m>
                   <m:oMathPara xmlns:m="http://schemas.openxmlformats.org/officeDocument/2006/math">
                     <m:oMathParaPr>
@@ -5421,7 +5428,7 @@
             </p:txBody>
           </p:sp>
         </mc:Choice>
-        <mc:Fallback>
+        <mc:Fallback xmlns="">
           <p:sp>
             <p:nvSpPr>
               <p:cNvPr id="5" name="Textfeld 4">
@@ -5723,8 +5730,8 @@
           </a:p>
         </p:txBody>
       </p:sp>
-      <mc:AlternateContent xmlns:mc="http://schemas.openxmlformats.org/markup-compatibility/2006">
-        <mc:Choice xmlns:a14="http://schemas.microsoft.com/office/drawing/2010/main" Requires="a14">
+      <mc:AlternateContent xmlns:mc="http://schemas.openxmlformats.org/markup-compatibility/2006" xmlns:a14="http://schemas.microsoft.com/office/drawing/2010/main">
+        <mc:Choice Requires="a14">
           <p:sp>
             <p:nvSpPr>
               <p:cNvPr id="13" name="Textfeld 12">
@@ -5753,7 +5760,6 @@
               </a:bodyPr>
               <a:lstStyle/>
               <a:p>
-                <a:pPr/>
                 <a:r>
                   <a:rPr lang="de-DE" b="0" dirty="0"/>
                   <a:t>3d fit: </a:t>
@@ -5895,7 +5901,7 @@
             </p:txBody>
           </p:sp>
         </mc:Choice>
-        <mc:Fallback>
+        <mc:Fallback xmlns="">
           <p:sp>
             <p:nvSpPr>
               <p:cNvPr id="13" name="Textfeld 12">
@@ -6065,8 +6071,8 @@
           <a:chExt cx="0" cy="0"/>
         </a:xfrm>
       </p:grpSpPr>
-      <mc:AlternateContent xmlns:mc="http://schemas.openxmlformats.org/markup-compatibility/2006">
-        <mc:Choice xmlns:a14="http://schemas.microsoft.com/office/drawing/2010/main" Requires="a14">
+      <mc:AlternateContent xmlns:mc="http://schemas.openxmlformats.org/markup-compatibility/2006" xmlns:a14="http://schemas.microsoft.com/office/drawing/2010/main">
+        <mc:Choice Requires="a14">
           <p:sp>
             <p:nvSpPr>
               <p:cNvPr id="4" name="Textfeld 3">
@@ -6165,7 +6171,7 @@
             </p:txBody>
           </p:sp>
         </mc:Choice>
-        <mc:Fallback>
+        <mc:Fallback xmlns="">
           <p:sp>
             <p:nvSpPr>
               <p:cNvPr id="4" name="Textfeld 3">
@@ -6380,8 +6386,8 @@
           </a:p>
         </p:txBody>
       </p:sp>
-      <mc:AlternateContent xmlns:mc="http://schemas.openxmlformats.org/markup-compatibility/2006">
-        <mc:Choice xmlns:a14="http://schemas.microsoft.com/office/drawing/2010/main" Requires="a14">
+      <mc:AlternateContent xmlns:mc="http://schemas.openxmlformats.org/markup-compatibility/2006" xmlns:a14="http://schemas.microsoft.com/office/drawing/2010/main">
+        <mc:Choice Requires="a14">
           <p:sp>
             <p:nvSpPr>
               <p:cNvPr id="9" name="Textfeld 8">
@@ -6491,7 +6497,7 @@
             </p:txBody>
           </p:sp>
         </mc:Choice>
-        <mc:Fallback>
+        <mc:Fallback xmlns="">
           <p:sp>
             <p:nvSpPr>
               <p:cNvPr id="9" name="Textfeld 8">
